--- a/20230605_RPC/351_RPC_LocalFunctionCall_Sequence.pptx
+++ b/20230605_RPC/351_RPC_LocalFunctionCall_Sequence.pptx
@@ -222,7 +222,7 @@
           <a:p>
             <a:fld id="{8A4CF053-040B-44B7-89E9-8CB547445B7F}" type="datetimeFigureOut">
               <a:rPr kumimoji="1" lang="ja-JP" altLang="en-US" smtClean="0"/>
-              <a:t>2023/6/1</a:t>
+              <a:t>2024/2/25</a:t>
             </a:fld>
             <a:endParaRPr kumimoji="1" lang="ja-JP" altLang="en-US"/>
           </a:p>
@@ -752,7 +752,7 @@
           <a:p>
             <a:fld id="{450CE236-8E69-46A3-A89B-50E3FB1BE869}" type="datetimeFigureOut">
               <a:rPr kumimoji="1" lang="ja-JP" altLang="en-US" smtClean="0"/>
-              <a:t>2023/6/1</a:t>
+              <a:t>2024/2/25</a:t>
             </a:fld>
             <a:endParaRPr kumimoji="1" lang="ja-JP" altLang="en-US"/>
           </a:p>
@@ -982,7 +982,7 @@
           <a:p>
             <a:fld id="{450CE236-8E69-46A3-A89B-50E3FB1BE869}" type="datetimeFigureOut">
               <a:rPr kumimoji="1" lang="ja-JP" altLang="en-US" smtClean="0"/>
-              <a:t>2023/6/1</a:t>
+              <a:t>2024/2/25</a:t>
             </a:fld>
             <a:endParaRPr kumimoji="1" lang="ja-JP" altLang="en-US"/>
           </a:p>
@@ -1222,7 +1222,7 @@
           <a:p>
             <a:fld id="{450CE236-8E69-46A3-A89B-50E3FB1BE869}" type="datetimeFigureOut">
               <a:rPr kumimoji="1" lang="ja-JP" altLang="en-US" smtClean="0"/>
-              <a:t>2023/6/1</a:t>
+              <a:t>2024/2/25</a:t>
             </a:fld>
             <a:endParaRPr kumimoji="1" lang="ja-JP" altLang="en-US"/>
           </a:p>
@@ -1452,7 +1452,7 @@
           <a:p>
             <a:fld id="{450CE236-8E69-46A3-A89B-50E3FB1BE869}" type="datetimeFigureOut">
               <a:rPr kumimoji="1" lang="ja-JP" altLang="en-US" smtClean="0"/>
-              <a:t>2023/6/1</a:t>
+              <a:t>2024/2/25</a:t>
             </a:fld>
             <a:endParaRPr kumimoji="1" lang="ja-JP" altLang="en-US"/>
           </a:p>
@@ -1727,7 +1727,7 @@
           <a:p>
             <a:fld id="{450CE236-8E69-46A3-A89B-50E3FB1BE869}" type="datetimeFigureOut">
               <a:rPr kumimoji="1" lang="ja-JP" altLang="en-US" smtClean="0"/>
-              <a:t>2023/6/1</a:t>
+              <a:t>2024/2/25</a:t>
             </a:fld>
             <a:endParaRPr kumimoji="1" lang="ja-JP" altLang="en-US"/>
           </a:p>
@@ -2056,7 +2056,7 @@
           <a:p>
             <a:fld id="{450CE236-8E69-46A3-A89B-50E3FB1BE869}" type="datetimeFigureOut">
               <a:rPr kumimoji="1" lang="ja-JP" altLang="en-US" smtClean="0"/>
-              <a:t>2023/6/1</a:t>
+              <a:t>2024/2/25</a:t>
             </a:fld>
             <a:endParaRPr kumimoji="1" lang="ja-JP" altLang="en-US"/>
           </a:p>
@@ -2532,7 +2532,7 @@
           <a:p>
             <a:fld id="{450CE236-8E69-46A3-A89B-50E3FB1BE869}" type="datetimeFigureOut">
               <a:rPr kumimoji="1" lang="ja-JP" altLang="en-US" smtClean="0"/>
-              <a:t>2023/6/1</a:t>
+              <a:t>2024/2/25</a:t>
             </a:fld>
             <a:endParaRPr kumimoji="1" lang="ja-JP" altLang="en-US"/>
           </a:p>
@@ -2673,7 +2673,7 @@
           <a:p>
             <a:fld id="{450CE236-8E69-46A3-A89B-50E3FB1BE869}" type="datetimeFigureOut">
               <a:rPr kumimoji="1" lang="ja-JP" altLang="en-US" smtClean="0"/>
-              <a:t>2023/6/1</a:t>
+              <a:t>2024/2/25</a:t>
             </a:fld>
             <a:endParaRPr kumimoji="1" lang="ja-JP" altLang="en-US"/>
           </a:p>
@@ -2786,7 +2786,7 @@
           <a:p>
             <a:fld id="{450CE236-8E69-46A3-A89B-50E3FB1BE869}" type="datetimeFigureOut">
               <a:rPr kumimoji="1" lang="ja-JP" altLang="en-US" smtClean="0"/>
-              <a:t>2023/6/1</a:t>
+              <a:t>2024/2/25</a:t>
             </a:fld>
             <a:endParaRPr kumimoji="1" lang="ja-JP" altLang="en-US"/>
           </a:p>
@@ -3129,7 +3129,7 @@
           <a:p>
             <a:fld id="{450CE236-8E69-46A3-A89B-50E3FB1BE869}" type="datetimeFigureOut">
               <a:rPr kumimoji="1" lang="ja-JP" altLang="en-US" smtClean="0"/>
-              <a:t>2023/6/1</a:t>
+              <a:t>2024/2/25</a:t>
             </a:fld>
             <a:endParaRPr kumimoji="1" lang="ja-JP" altLang="en-US"/>
           </a:p>
@@ -3417,7 +3417,7 @@
           <a:p>
             <a:fld id="{450CE236-8E69-46A3-A89B-50E3FB1BE869}" type="datetimeFigureOut">
               <a:rPr kumimoji="1" lang="ja-JP" altLang="en-US" smtClean="0"/>
-              <a:t>2023/6/1</a:t>
+              <a:t>2024/2/25</a:t>
             </a:fld>
             <a:endParaRPr kumimoji="1" lang="ja-JP" altLang="en-US"/>
           </a:p>
@@ -3690,7 +3690,7 @@
           <a:p>
             <a:fld id="{450CE236-8E69-46A3-A89B-50E3FB1BE869}" type="datetimeFigureOut">
               <a:rPr kumimoji="1" lang="ja-JP" altLang="en-US" smtClean="0"/>
-              <a:t>2023/6/1</a:t>
+              <a:t>2024/2/25</a:t>
             </a:fld>
             <a:endParaRPr kumimoji="1" lang="ja-JP" altLang="en-US"/>
           </a:p>
@@ -4162,6 +4162,8 @@
                 <a:solidFill>
                   <a:schemeClr val="tx1"/>
                 </a:solidFill>
+                <a:latin typeface="Meiryo UI" panose="020B0604030504040204" pitchFamily="50" charset="-128"/>
+                <a:ea typeface="Meiryo UI" panose="020B0604030504040204" pitchFamily="50" charset="-128"/>
               </a:rPr>
               <a:t>親プログラム</a:t>
             </a:r>
@@ -4223,6 +4225,8 @@
                 <a:solidFill>
                   <a:schemeClr val="tx1"/>
                 </a:solidFill>
+                <a:latin typeface="Meiryo UI" panose="020B0604030504040204" pitchFamily="50" charset="-128"/>
+                <a:ea typeface="Meiryo UI" panose="020B0604030504040204" pitchFamily="50" charset="-128"/>
               </a:rPr>
               <a:t>関数</a:t>
             </a:r>
@@ -4230,6 +4234,8 @@
               <a:solidFill>
                 <a:schemeClr val="tx1"/>
               </a:solidFill>
+              <a:latin typeface="Meiryo UI" panose="020B0604030504040204" pitchFamily="50" charset="-128"/>
+              <a:ea typeface="Meiryo UI" panose="020B0604030504040204" pitchFamily="50" charset="-128"/>
             </a:endParaRPr>
           </a:p>
         </p:txBody>
@@ -4417,6 +4423,8 @@
                 <a:solidFill>
                   <a:schemeClr val="tx1"/>
                 </a:solidFill>
+                <a:latin typeface="Meiryo UI" panose="020B0604030504040204" pitchFamily="50" charset="-128"/>
+                <a:ea typeface="Meiryo UI" panose="020B0604030504040204" pitchFamily="50" charset="-128"/>
               </a:rPr>
               <a:t>②</a:t>
             </a:r>
@@ -4424,6 +4432,8 @@
               <a:solidFill>
                 <a:schemeClr val="tx1"/>
               </a:solidFill>
+              <a:latin typeface="Meiryo UI" panose="020B0604030504040204" pitchFamily="50" charset="-128"/>
+              <a:ea typeface="Meiryo UI" panose="020B0604030504040204" pitchFamily="50" charset="-128"/>
             </a:endParaRPr>
           </a:p>
           <a:p>
@@ -4433,6 +4443,8 @@
                 <a:solidFill>
                   <a:schemeClr val="tx1"/>
                 </a:solidFill>
+                <a:latin typeface="Meiryo UI" panose="020B0604030504040204" pitchFamily="50" charset="-128"/>
+                <a:ea typeface="Meiryo UI" panose="020B0604030504040204" pitchFamily="50" charset="-128"/>
               </a:rPr>
               <a:t>処理</a:t>
             </a:r>
@@ -4489,7 +4501,10 @@
           <a:lstStyle/>
           <a:p>
             <a:pPr algn="ctr"/>
-            <a:endParaRPr kumimoji="1" lang="ja-JP" altLang="en-US"/>
+            <a:endParaRPr kumimoji="1" lang="ja-JP" altLang="en-US">
+              <a:latin typeface="Meiryo UI" panose="020B0604030504040204" pitchFamily="50" charset="-128"/>
+              <a:ea typeface="Meiryo UI" panose="020B0604030504040204" pitchFamily="50" charset="-128"/>
+            </a:endParaRPr>
           </a:p>
         </p:txBody>
       </p:sp>
@@ -4566,7 +4581,10 @@
           <a:lstStyle/>
           <a:p>
             <a:r>
-              <a:rPr kumimoji="1" lang="ja-JP" altLang="en-US" sz="800" dirty="0"/>
+              <a:rPr kumimoji="1" lang="ja-JP" altLang="en-US" sz="800" dirty="0">
+                <a:latin typeface="Meiryo UI" panose="020B0604030504040204" pitchFamily="50" charset="-128"/>
+                <a:ea typeface="Meiryo UI" panose="020B0604030504040204" pitchFamily="50" charset="-128"/>
+              </a:rPr>
               <a:t>①引数</a:t>
             </a:r>
           </a:p>
@@ -4587,7 +4605,7 @@
         <p:spPr>
           <a:xfrm>
             <a:off x="1708781" y="3695941"/>
-            <a:ext cx="595035" cy="215444"/>
+            <a:ext cx="556563" cy="215444"/>
           </a:xfrm>
           <a:prstGeom prst="rect">
             <a:avLst/>
@@ -4601,7 +4619,10 @@
           <a:lstStyle/>
           <a:p>
             <a:r>
-              <a:rPr kumimoji="1" lang="ja-JP" altLang="en-US" sz="800" dirty="0"/>
+              <a:rPr kumimoji="1" lang="ja-JP" altLang="en-US" sz="800" dirty="0">
+                <a:latin typeface="Meiryo UI" panose="020B0604030504040204" pitchFamily="50" charset="-128"/>
+                <a:ea typeface="Meiryo UI" panose="020B0604030504040204" pitchFamily="50" charset="-128"/>
+              </a:rPr>
               <a:t>③戻り値</a:t>
             </a:r>
           </a:p>
@@ -4662,6 +4683,8 @@
                 <a:solidFill>
                   <a:schemeClr val="tx1"/>
                 </a:solidFill>
+                <a:latin typeface="Meiryo UI" panose="020B0604030504040204" pitchFamily="50" charset="-128"/>
+                <a:ea typeface="Meiryo UI" panose="020B0604030504040204" pitchFamily="50" charset="-128"/>
               </a:rPr>
               <a:t>親プログラム</a:t>
             </a:r>
@@ -4723,6 +4746,8 @@
                 <a:solidFill>
                   <a:schemeClr val="tx1"/>
                 </a:solidFill>
+                <a:latin typeface="Meiryo UI" panose="020B0604030504040204" pitchFamily="50" charset="-128"/>
+                <a:ea typeface="Meiryo UI" panose="020B0604030504040204" pitchFamily="50" charset="-128"/>
               </a:rPr>
               <a:t>関数</a:t>
             </a:r>
@@ -4730,6 +4755,8 @@
               <a:solidFill>
                 <a:schemeClr val="tx1"/>
               </a:solidFill>
+              <a:latin typeface="Meiryo UI" panose="020B0604030504040204" pitchFamily="50" charset="-128"/>
+              <a:ea typeface="Meiryo UI" panose="020B0604030504040204" pitchFamily="50" charset="-128"/>
             </a:endParaRPr>
           </a:p>
         </p:txBody>
@@ -4912,21 +4939,32 @@
           <a:p>
             <a:pPr algn="ctr"/>
             <a:r>
-              <a:rPr lang="ja-JP" altLang="en-US" sz="900" dirty="0">
+              <a:rPr lang="ja-JP" altLang="en-US" sz="900">
                 <a:solidFill>
                   <a:schemeClr val="tx1"/>
                 </a:solidFill>
+                <a:latin typeface="Meiryo UI" panose="020B0604030504040204" pitchFamily="50" charset="-128"/>
+                <a:ea typeface="Meiryo UI" panose="020B0604030504040204" pitchFamily="50" charset="-128"/>
               </a:rPr>
-              <a:t>⑤</a:t>
-            </a:r>
-            <a:r>
-              <a:rPr kumimoji="1" lang="ja-JP" altLang="en-US" sz="900" dirty="0">
+              <a:t>⑥</a:t>
+            </a:r>
+            <a:r>
+              <a:rPr kumimoji="1" lang="ja-JP" altLang="en-US" sz="900">
                 <a:solidFill>
                   <a:schemeClr val="tx1"/>
                 </a:solidFill>
+                <a:latin typeface="Meiryo UI" panose="020B0604030504040204" pitchFamily="50" charset="-128"/>
+                <a:ea typeface="Meiryo UI" panose="020B0604030504040204" pitchFamily="50" charset="-128"/>
               </a:rPr>
               <a:t>処理</a:t>
             </a:r>
+            <a:endParaRPr kumimoji="1" lang="ja-JP" altLang="en-US" sz="900" dirty="0">
+              <a:solidFill>
+                <a:schemeClr val="tx1"/>
+              </a:solidFill>
+              <a:latin typeface="Meiryo UI" panose="020B0604030504040204" pitchFamily="50" charset="-128"/>
+              <a:ea typeface="Meiryo UI" panose="020B0604030504040204" pitchFamily="50" charset="-128"/>
+            </a:endParaRPr>
           </a:p>
         </p:txBody>
       </p:sp>
@@ -4975,7 +5013,10 @@
           <a:lstStyle/>
           <a:p>
             <a:pPr algn="ctr"/>
-            <a:endParaRPr kumimoji="1" lang="ja-JP" altLang="en-US"/>
+            <a:endParaRPr kumimoji="1" lang="ja-JP" altLang="en-US">
+              <a:latin typeface="Meiryo UI" panose="020B0604030504040204" pitchFamily="50" charset="-128"/>
+              <a:ea typeface="Meiryo UI" panose="020B0604030504040204" pitchFamily="50" charset="-128"/>
+            </a:endParaRPr>
           </a:p>
         </p:txBody>
       </p:sp>
@@ -5008,9 +5049,16 @@
           <a:lstStyle/>
           <a:p>
             <a:r>
-              <a:rPr kumimoji="1" lang="ja-JP" altLang="en-US" sz="800" dirty="0"/>
+              <a:rPr kumimoji="1" lang="ja-JP" altLang="en-US" sz="800">
+                <a:latin typeface="Meiryo UI" panose="020B0604030504040204" pitchFamily="50" charset="-128"/>
+                <a:ea typeface="Meiryo UI" panose="020B0604030504040204" pitchFamily="50" charset="-128"/>
+              </a:rPr>
               <a:t>①引数</a:t>
             </a:r>
+            <a:endParaRPr kumimoji="1" lang="ja-JP" altLang="en-US" sz="800" dirty="0">
+              <a:latin typeface="Meiryo UI" panose="020B0604030504040204" pitchFamily="50" charset="-128"/>
+              <a:ea typeface="Meiryo UI" panose="020B0604030504040204" pitchFamily="50" charset="-128"/>
+            </a:endParaRPr>
           </a:p>
         </p:txBody>
       </p:sp>
@@ -5029,7 +5077,7 @@
         <p:spPr>
           <a:xfrm>
             <a:off x="5130626" y="4709558"/>
-            <a:ext cx="595035" cy="215444"/>
+            <a:ext cx="556563" cy="215444"/>
           </a:xfrm>
           <a:prstGeom prst="rect">
             <a:avLst/>
@@ -5043,13 +5091,23 @@
           <a:lstStyle/>
           <a:p>
             <a:r>
-              <a:rPr lang="ja-JP" altLang="en-US" sz="800" dirty="0"/>
-              <a:t>⑧</a:t>
-            </a:r>
-            <a:r>
-              <a:rPr kumimoji="1" lang="ja-JP" altLang="en-US" sz="800" dirty="0"/>
+              <a:rPr kumimoji="1" lang="ja-JP" altLang="en-US" sz="800" dirty="0">
+                <a:latin typeface="Meiryo UI" panose="020B0604030504040204" pitchFamily="50" charset="-128"/>
+                <a:ea typeface="Meiryo UI" panose="020B0604030504040204" pitchFamily="50" charset="-128"/>
+              </a:rPr>
+              <a:t>⑪</a:t>
+            </a:r>
+            <a:r>
+              <a:rPr kumimoji="1" lang="ja-JP" altLang="en-US" sz="800">
+                <a:latin typeface="Meiryo UI" panose="020B0604030504040204" pitchFamily="50" charset="-128"/>
+                <a:ea typeface="Meiryo UI" panose="020B0604030504040204" pitchFamily="50" charset="-128"/>
+              </a:rPr>
               <a:t>戻り値</a:t>
             </a:r>
+            <a:endParaRPr kumimoji="1" lang="ja-JP" altLang="en-US" sz="800" dirty="0">
+              <a:latin typeface="Meiryo UI" panose="020B0604030504040204" pitchFamily="50" charset="-128"/>
+              <a:ea typeface="Meiryo UI" panose="020B0604030504040204" pitchFamily="50" charset="-128"/>
+            </a:endParaRPr>
           </a:p>
         </p:txBody>
       </p:sp>
@@ -5108,6 +5166,8 @@
                 <a:solidFill>
                   <a:schemeClr val="tx1"/>
                 </a:solidFill>
+                <a:latin typeface="Meiryo UI" panose="020B0604030504040204" pitchFamily="50" charset="-128"/>
+                <a:ea typeface="Meiryo UI" panose="020B0604030504040204" pitchFamily="50" charset="-128"/>
               </a:rPr>
               <a:t>クライアント側</a:t>
             </a:r>
@@ -5115,6 +5175,8 @@
               <a:solidFill>
                 <a:schemeClr val="tx1"/>
               </a:solidFill>
+              <a:latin typeface="Meiryo UI" panose="020B0604030504040204" pitchFamily="50" charset="-128"/>
+              <a:ea typeface="Meiryo UI" panose="020B0604030504040204" pitchFamily="50" charset="-128"/>
             </a:endParaRPr>
           </a:p>
           <a:p>
@@ -5124,6 +5186,8 @@
                 <a:solidFill>
                   <a:schemeClr val="tx1"/>
                 </a:solidFill>
+                <a:latin typeface="Meiryo UI" panose="020B0604030504040204" pitchFamily="50" charset="-128"/>
+                <a:ea typeface="Meiryo UI" panose="020B0604030504040204" pitchFamily="50" charset="-128"/>
               </a:rPr>
               <a:t>スタブ</a:t>
             </a:r>
@@ -5132,6 +5196,8 @@
                 <a:solidFill>
                   <a:schemeClr val="tx1"/>
                 </a:solidFill>
+                <a:latin typeface="Meiryo UI" panose="020B0604030504040204" pitchFamily="50" charset="-128"/>
+                <a:ea typeface="Meiryo UI" panose="020B0604030504040204" pitchFamily="50" charset="-128"/>
               </a:rPr>
               <a:t>・</a:t>
             </a:r>
@@ -5140,6 +5206,8 @@
                 <a:solidFill>
                   <a:schemeClr val="tx1"/>
                 </a:solidFill>
+                <a:latin typeface="Meiryo UI" panose="020B0604030504040204" pitchFamily="50" charset="-128"/>
+                <a:ea typeface="Meiryo UI" panose="020B0604030504040204" pitchFamily="50" charset="-128"/>
               </a:rPr>
               <a:t>プログラム</a:t>
             </a:r>
@@ -5240,6 +5308,8 @@
                 <a:solidFill>
                   <a:schemeClr val="tx1"/>
                 </a:solidFill>
+                <a:latin typeface="Meiryo UI" panose="020B0604030504040204" pitchFamily="50" charset="-128"/>
+                <a:ea typeface="Meiryo UI" panose="020B0604030504040204" pitchFamily="50" charset="-128"/>
               </a:rPr>
               <a:t>呼び出し</a:t>
             </a:r>
@@ -5248,6 +5318,8 @@
                 <a:solidFill>
                   <a:schemeClr val="tx1"/>
                 </a:solidFill>
+                <a:latin typeface="Meiryo UI" panose="020B0604030504040204" pitchFamily="50" charset="-128"/>
+                <a:ea typeface="Meiryo UI" panose="020B0604030504040204" pitchFamily="50" charset="-128"/>
               </a:rPr>
               <a:t>処理</a:t>
             </a:r>
@@ -5305,29 +5377,35 @@
           <a:p>
             <a:pPr algn="ctr"/>
             <a:r>
-              <a:rPr lang="en-US" altLang="ja-JP" sz="800" dirty="0">
+              <a:rPr kumimoji="1" lang="ja-JP" altLang="en-US" sz="800">
                 <a:solidFill>
                   <a:schemeClr val="tx1"/>
                 </a:solidFill>
+                <a:latin typeface="Meiryo UI" panose="020B0604030504040204" pitchFamily="50" charset="-128"/>
+                <a:ea typeface="Meiryo UI" panose="020B0604030504040204" pitchFamily="50" charset="-128"/>
               </a:rPr>
-              <a:t>TCP/UDP</a:t>
-            </a:r>
+              <a:t>ネットワーク</a:t>
+            </a:r>
+            <a:endParaRPr kumimoji="1" lang="en-US" altLang="ja-JP" sz="800">
+              <a:solidFill>
+                <a:schemeClr val="tx1"/>
+              </a:solidFill>
+              <a:latin typeface="Meiryo UI" panose="020B0604030504040204" pitchFamily="50" charset="-128"/>
+              <a:ea typeface="Meiryo UI" panose="020B0604030504040204" pitchFamily="50" charset="-128"/>
+            </a:endParaRPr>
           </a:p>
           <a:p>
             <a:pPr algn="ctr"/>
             <a:r>
-              <a:rPr lang="ja-JP" altLang="en-US" sz="800" dirty="0">
+              <a:rPr kumimoji="1" lang="ja-JP" altLang="en-US" sz="800">
                 <a:solidFill>
                   <a:schemeClr val="tx1"/>
                 </a:solidFill>
+                <a:latin typeface="Meiryo UI" panose="020B0604030504040204" pitchFamily="50" charset="-128"/>
+                <a:ea typeface="Meiryo UI" panose="020B0604030504040204" pitchFamily="50" charset="-128"/>
               </a:rPr>
-              <a:t>クライアント</a:t>
-            </a:r>
-            <a:endParaRPr lang="en-US" altLang="ja-JP" sz="800" dirty="0">
-              <a:solidFill>
-                <a:schemeClr val="tx1"/>
-              </a:solidFill>
-            </a:endParaRPr>
+              <a:t>ルーチン</a:t>
+            </a:r>
           </a:p>
         </p:txBody>
       </p:sp>
@@ -5425,6 +5503,8 @@
                 <a:solidFill>
                   <a:schemeClr val="tx1"/>
                 </a:solidFill>
+                <a:latin typeface="Meiryo UI" panose="020B0604030504040204" pitchFamily="50" charset="-128"/>
+                <a:ea typeface="Meiryo UI" panose="020B0604030504040204" pitchFamily="50" charset="-128"/>
               </a:rPr>
               <a:t>送信</a:t>
             </a:r>
@@ -5482,23 +5562,34 @@
           <a:p>
             <a:pPr algn="ctr"/>
             <a:r>
-              <a:rPr lang="en-US" altLang="ja-JP" sz="800" dirty="0">
+              <a:rPr kumimoji="1" lang="ja-JP" altLang="en-US" sz="800">
                 <a:solidFill>
                   <a:schemeClr val="tx1"/>
                 </a:solidFill>
+                <a:latin typeface="Meiryo UI" panose="020B0604030504040204" pitchFamily="50" charset="-128"/>
+                <a:ea typeface="Meiryo UI" panose="020B0604030504040204" pitchFamily="50" charset="-128"/>
               </a:rPr>
-              <a:t>TCP/UDP</a:t>
-            </a:r>
+              <a:t>ネットワーク</a:t>
+            </a:r>
+            <a:endParaRPr kumimoji="1" lang="en-US" altLang="ja-JP" sz="800">
+              <a:solidFill>
+                <a:schemeClr val="tx1"/>
+              </a:solidFill>
+              <a:latin typeface="Meiryo UI" panose="020B0604030504040204" pitchFamily="50" charset="-128"/>
+              <a:ea typeface="Meiryo UI" panose="020B0604030504040204" pitchFamily="50" charset="-128"/>
+            </a:endParaRPr>
           </a:p>
           <a:p>
             <a:pPr algn="ctr"/>
             <a:r>
-              <a:rPr kumimoji="1" lang="ja-JP" altLang="en-US" sz="800" dirty="0">
+              <a:rPr kumimoji="1" lang="ja-JP" altLang="en-US" sz="800">
                 <a:solidFill>
                   <a:schemeClr val="tx1"/>
                 </a:solidFill>
+                <a:latin typeface="Meiryo UI" panose="020B0604030504040204" pitchFamily="50" charset="-128"/>
+                <a:ea typeface="Meiryo UI" panose="020B0604030504040204" pitchFamily="50" charset="-128"/>
               </a:rPr>
-              <a:t>サーバ</a:t>
+              <a:t>ルーチン</a:t>
             </a:r>
           </a:p>
         </p:txBody>
@@ -5597,6 +5688,8 @@
                 <a:solidFill>
                   <a:schemeClr val="tx1"/>
                 </a:solidFill>
+                <a:latin typeface="Meiryo UI" panose="020B0604030504040204" pitchFamily="50" charset="-128"/>
+                <a:ea typeface="Meiryo UI" panose="020B0604030504040204" pitchFamily="50" charset="-128"/>
               </a:rPr>
               <a:t>受信</a:t>
             </a:r>
@@ -5658,6 +5751,8 @@
                 <a:solidFill>
                   <a:schemeClr val="tx1"/>
                 </a:solidFill>
+                <a:latin typeface="Meiryo UI" panose="020B0604030504040204" pitchFamily="50" charset="-128"/>
+                <a:ea typeface="Meiryo UI" panose="020B0604030504040204" pitchFamily="50" charset="-128"/>
               </a:rPr>
               <a:t>サーバ側</a:t>
             </a:r>
@@ -5665,6 +5760,8 @@
               <a:solidFill>
                 <a:schemeClr val="tx1"/>
               </a:solidFill>
+              <a:latin typeface="Meiryo UI" panose="020B0604030504040204" pitchFamily="50" charset="-128"/>
+              <a:ea typeface="Meiryo UI" panose="020B0604030504040204" pitchFamily="50" charset="-128"/>
             </a:endParaRPr>
           </a:p>
           <a:p>
@@ -5674,6 +5771,8 @@
                 <a:solidFill>
                   <a:schemeClr val="tx1"/>
                 </a:solidFill>
+                <a:latin typeface="Meiryo UI" panose="020B0604030504040204" pitchFamily="50" charset="-128"/>
+                <a:ea typeface="Meiryo UI" panose="020B0604030504040204" pitchFamily="50" charset="-128"/>
               </a:rPr>
               <a:t>スタブ・プログラム</a:t>
             </a:r>
@@ -5681,6 +5780,8 @@
               <a:solidFill>
                 <a:schemeClr val="tx1"/>
               </a:solidFill>
+              <a:latin typeface="Meiryo UI" panose="020B0604030504040204" pitchFamily="50" charset="-128"/>
+              <a:ea typeface="Meiryo UI" panose="020B0604030504040204" pitchFamily="50" charset="-128"/>
             </a:endParaRPr>
           </a:p>
         </p:txBody>
@@ -5779,6 +5880,8 @@
                 <a:solidFill>
                   <a:schemeClr val="tx1"/>
                 </a:solidFill>
+                <a:latin typeface="Meiryo UI" panose="020B0604030504040204" pitchFamily="50" charset="-128"/>
+                <a:ea typeface="Meiryo UI" panose="020B0604030504040204" pitchFamily="50" charset="-128"/>
               </a:rPr>
               <a:t>待ち受け</a:t>
             </a:r>
@@ -5787,6 +5890,8 @@
                 <a:solidFill>
                   <a:schemeClr val="tx1"/>
                 </a:solidFill>
+                <a:latin typeface="Meiryo UI" panose="020B0604030504040204" pitchFamily="50" charset="-128"/>
+                <a:ea typeface="Meiryo UI" panose="020B0604030504040204" pitchFamily="50" charset="-128"/>
               </a:rPr>
               <a:t>処理</a:t>
             </a:r>
@@ -5843,6 +5948,8 @@
                 <a:solidFill>
                   <a:schemeClr val="tx1"/>
                 </a:solidFill>
+                <a:latin typeface="Meiryo UI" panose="020B0604030504040204" pitchFamily="50" charset="-128"/>
+                <a:ea typeface="Meiryo UI" panose="020B0604030504040204" pitchFamily="50" charset="-128"/>
               </a:rPr>
               <a:t>受信</a:t>
             </a:r>
@@ -5899,6 +6006,8 @@
                 <a:solidFill>
                   <a:schemeClr val="tx1"/>
                 </a:solidFill>
+                <a:latin typeface="Meiryo UI" panose="020B0604030504040204" pitchFamily="50" charset="-128"/>
+                <a:ea typeface="Meiryo UI" panose="020B0604030504040204" pitchFamily="50" charset="-128"/>
               </a:rPr>
               <a:t>送信</a:t>
             </a:r>
@@ -5906,6 +6015,8 @@
               <a:solidFill>
                 <a:schemeClr val="tx1"/>
               </a:solidFill>
+              <a:latin typeface="Meiryo UI" panose="020B0604030504040204" pitchFamily="50" charset="-128"/>
+              <a:ea typeface="Meiryo UI" panose="020B0604030504040204" pitchFamily="50" charset="-128"/>
             </a:endParaRPr>
           </a:p>
         </p:txBody>
@@ -6425,13 +6536,16 @@
           <a:lstStyle/>
           <a:p>
             <a:r>
-              <a:rPr lang="ja-JP" altLang="en-US" sz="800" dirty="0"/>
-              <a:t>④</a:t>
-            </a:r>
-            <a:r>
-              <a:rPr kumimoji="1" lang="ja-JP" altLang="en-US" sz="800" dirty="0"/>
-              <a:t>引数</a:t>
-            </a:r>
+              <a:rPr kumimoji="1" lang="ja-JP" altLang="en-US" sz="800">
+                <a:latin typeface="Meiryo UI" panose="020B0604030504040204" pitchFamily="50" charset="-128"/>
+                <a:ea typeface="Meiryo UI" panose="020B0604030504040204" pitchFamily="50" charset="-128"/>
+              </a:rPr>
+              <a:t>⑤引数</a:t>
+            </a:r>
+            <a:endParaRPr kumimoji="1" lang="ja-JP" altLang="en-US" sz="800" dirty="0">
+              <a:latin typeface="Meiryo UI" panose="020B0604030504040204" pitchFamily="50" charset="-128"/>
+              <a:ea typeface="Meiryo UI" panose="020B0604030504040204" pitchFamily="50" charset="-128"/>
+            </a:endParaRPr>
           </a:p>
         </p:txBody>
       </p:sp>
@@ -6450,7 +6564,7 @@
         <p:spPr>
           <a:xfrm>
             <a:off x="9632774" y="3949614"/>
-            <a:ext cx="595035" cy="215444"/>
+            <a:ext cx="556563" cy="215444"/>
           </a:xfrm>
           <a:prstGeom prst="rect">
             <a:avLst/>
@@ -6464,9 +6578,16 @@
           <a:lstStyle/>
           <a:p>
             <a:r>
-              <a:rPr kumimoji="1" lang="ja-JP" altLang="en-US" sz="800" dirty="0"/>
-              <a:t>⑤戻り値</a:t>
-            </a:r>
+              <a:rPr kumimoji="1" lang="ja-JP" altLang="en-US" sz="800">
+                <a:latin typeface="Meiryo UI" panose="020B0604030504040204" pitchFamily="50" charset="-128"/>
+                <a:ea typeface="Meiryo UI" panose="020B0604030504040204" pitchFamily="50" charset="-128"/>
+              </a:rPr>
+              <a:t>⑦戻り値</a:t>
+            </a:r>
+            <a:endParaRPr kumimoji="1" lang="ja-JP" altLang="en-US" sz="800" dirty="0">
+              <a:latin typeface="Meiryo UI" panose="020B0604030504040204" pitchFamily="50" charset="-128"/>
+              <a:ea typeface="Meiryo UI" panose="020B0604030504040204" pitchFamily="50" charset="-128"/>
+            </a:endParaRPr>
           </a:p>
         </p:txBody>
       </p:sp>
@@ -6484,8 +6605,8 @@
         </p:nvSpPr>
         <p:spPr>
           <a:xfrm>
-            <a:off x="6116235" y="2390618"/>
-            <a:ext cx="1035861" cy="338554"/>
+            <a:off x="6247681" y="2390618"/>
+            <a:ext cx="904415" cy="338554"/>
           </a:xfrm>
           <a:prstGeom prst="rect">
             <a:avLst/>
@@ -6500,34 +6621,58 @@
           <a:p>
             <a:pPr algn="r"/>
             <a:r>
-              <a:rPr lang="ja-JP" altLang="en-US" sz="800" dirty="0"/>
+              <a:rPr lang="ja-JP" altLang="en-US" sz="800">
+                <a:latin typeface="Meiryo UI" panose="020B0604030504040204" pitchFamily="50" charset="-128"/>
+                <a:ea typeface="Meiryo UI" panose="020B0604030504040204" pitchFamily="50" charset="-128"/>
+              </a:rPr>
               <a:t>②</a:t>
             </a:r>
             <a:r>
-              <a:rPr kumimoji="1" lang="en-US" altLang="ja-JP" sz="800" dirty="0"/>
+              <a:rPr kumimoji="1" lang="en-US" altLang="ja-JP" sz="800">
+                <a:latin typeface="Meiryo UI" panose="020B0604030504040204" pitchFamily="50" charset="-128"/>
+                <a:ea typeface="Meiryo UI" panose="020B0604030504040204" pitchFamily="50" charset="-128"/>
+              </a:rPr>
               <a:t>RPC </a:t>
             </a:r>
             <a:r>
-              <a:rPr kumimoji="1" lang="ja-JP" altLang="en-US" sz="800" dirty="0"/>
+              <a:rPr kumimoji="1" lang="ja-JP" altLang="en-US" sz="800" dirty="0">
+                <a:latin typeface="Meiryo UI" panose="020B0604030504040204" pitchFamily="50" charset="-128"/>
+                <a:ea typeface="Meiryo UI" panose="020B0604030504040204" pitchFamily="50" charset="-128"/>
+              </a:rPr>
               <a:t>メッセージ</a:t>
             </a:r>
-            <a:endParaRPr kumimoji="1" lang="en-US" altLang="ja-JP" sz="800" dirty="0"/>
+            <a:endParaRPr kumimoji="1" lang="en-US" altLang="ja-JP" sz="800" dirty="0">
+              <a:latin typeface="Meiryo UI" panose="020B0604030504040204" pitchFamily="50" charset="-128"/>
+              <a:ea typeface="Meiryo UI" panose="020B0604030504040204" pitchFamily="50" charset="-128"/>
+            </a:endParaRPr>
           </a:p>
           <a:p>
             <a:pPr algn="r"/>
             <a:r>
-              <a:rPr kumimoji="1" lang="en-US" altLang="ja-JP" sz="800" dirty="0"/>
+              <a:rPr kumimoji="1" lang="en-US" altLang="ja-JP" sz="800" dirty="0">
+                <a:latin typeface="Meiryo UI" panose="020B0604030504040204" pitchFamily="50" charset="-128"/>
+                <a:ea typeface="Meiryo UI" panose="020B0604030504040204" pitchFamily="50" charset="-128"/>
+              </a:rPr>
               <a:t>(call </a:t>
             </a:r>
             <a:r>
-              <a:rPr kumimoji="1" lang="ja-JP" altLang="en-US" sz="800" dirty="0"/>
+              <a:rPr kumimoji="1" lang="ja-JP" altLang="en-US" sz="800" dirty="0">
+                <a:latin typeface="Meiryo UI" panose="020B0604030504040204" pitchFamily="50" charset="-128"/>
+                <a:ea typeface="Meiryo UI" panose="020B0604030504040204" pitchFamily="50" charset="-128"/>
+              </a:rPr>
               <a:t>メッセージ</a:t>
             </a:r>
             <a:r>
-              <a:rPr kumimoji="1" lang="en-US" altLang="ja-JP" sz="800" dirty="0"/>
+              <a:rPr kumimoji="1" lang="en-US" altLang="ja-JP" sz="800" dirty="0">
+                <a:latin typeface="Meiryo UI" panose="020B0604030504040204" pitchFamily="50" charset="-128"/>
+                <a:ea typeface="Meiryo UI" panose="020B0604030504040204" pitchFamily="50" charset="-128"/>
+              </a:rPr>
               <a:t>)</a:t>
             </a:r>
-            <a:endParaRPr kumimoji="1" lang="ja-JP" altLang="en-US" sz="800" dirty="0"/>
+            <a:endParaRPr kumimoji="1" lang="ja-JP" altLang="en-US" sz="800" dirty="0">
+              <a:latin typeface="Meiryo UI" panose="020B0604030504040204" pitchFamily="50" charset="-128"/>
+              <a:ea typeface="Meiryo UI" panose="020B0604030504040204" pitchFamily="50" charset="-128"/>
+            </a:endParaRPr>
           </a:p>
         </p:txBody>
       </p:sp>
@@ -6545,8 +6690,8 @@
         </p:nvSpPr>
         <p:spPr>
           <a:xfrm>
-            <a:off x="6116235" y="4324154"/>
-            <a:ext cx="1035861" cy="338554"/>
+            <a:off x="6214019" y="4324154"/>
+            <a:ext cx="938077" cy="338554"/>
           </a:xfrm>
           <a:prstGeom prst="rect">
             <a:avLst/>
@@ -6561,34 +6706,58 @@
           <a:p>
             <a:pPr algn="r"/>
             <a:r>
-              <a:rPr kumimoji="1" lang="ja-JP" altLang="en-US" sz="800" dirty="0"/>
-              <a:t>⑦</a:t>
-            </a:r>
-            <a:r>
-              <a:rPr kumimoji="1" lang="en-US" altLang="ja-JP" sz="800" dirty="0"/>
+              <a:rPr lang="ja-JP" altLang="en-US" sz="800" dirty="0">
+                <a:latin typeface="Meiryo UI" panose="020B0604030504040204" pitchFamily="50" charset="-128"/>
+                <a:ea typeface="Meiryo UI" panose="020B0604030504040204" pitchFamily="50" charset="-128"/>
+              </a:rPr>
+              <a:t>⑩</a:t>
+            </a:r>
+            <a:r>
+              <a:rPr kumimoji="1" lang="en-US" altLang="ja-JP" sz="800">
+                <a:latin typeface="Meiryo UI" panose="020B0604030504040204" pitchFamily="50" charset="-128"/>
+                <a:ea typeface="Meiryo UI" panose="020B0604030504040204" pitchFamily="50" charset="-128"/>
+              </a:rPr>
               <a:t>RPC </a:t>
             </a:r>
             <a:r>
-              <a:rPr kumimoji="1" lang="ja-JP" altLang="en-US" sz="800" dirty="0"/>
+              <a:rPr kumimoji="1" lang="ja-JP" altLang="en-US" sz="800" dirty="0">
+                <a:latin typeface="Meiryo UI" panose="020B0604030504040204" pitchFamily="50" charset="-128"/>
+                <a:ea typeface="Meiryo UI" panose="020B0604030504040204" pitchFamily="50" charset="-128"/>
+              </a:rPr>
               <a:t>メッセージ</a:t>
             </a:r>
-            <a:endParaRPr kumimoji="1" lang="en-US" altLang="ja-JP" sz="800" dirty="0"/>
+            <a:endParaRPr kumimoji="1" lang="en-US" altLang="ja-JP" sz="800" dirty="0">
+              <a:latin typeface="Meiryo UI" panose="020B0604030504040204" pitchFamily="50" charset="-128"/>
+              <a:ea typeface="Meiryo UI" panose="020B0604030504040204" pitchFamily="50" charset="-128"/>
+            </a:endParaRPr>
           </a:p>
           <a:p>
             <a:pPr algn="r"/>
             <a:r>
-              <a:rPr lang="en-US" altLang="ja-JP" sz="800" dirty="0"/>
+              <a:rPr lang="en-US" altLang="ja-JP" sz="800" dirty="0">
+                <a:latin typeface="Meiryo UI" panose="020B0604030504040204" pitchFamily="50" charset="-128"/>
+                <a:ea typeface="Meiryo UI" panose="020B0604030504040204" pitchFamily="50" charset="-128"/>
+              </a:rPr>
               <a:t>(reply </a:t>
             </a:r>
             <a:r>
-              <a:rPr lang="ja-JP" altLang="en-US" sz="800" dirty="0"/>
+              <a:rPr lang="ja-JP" altLang="en-US" sz="800" dirty="0">
+                <a:latin typeface="Meiryo UI" panose="020B0604030504040204" pitchFamily="50" charset="-128"/>
+                <a:ea typeface="Meiryo UI" panose="020B0604030504040204" pitchFamily="50" charset="-128"/>
+              </a:rPr>
               <a:t>メッセージ</a:t>
             </a:r>
             <a:r>
-              <a:rPr lang="en-US" altLang="ja-JP" sz="800" dirty="0"/>
+              <a:rPr lang="en-US" altLang="ja-JP" sz="800" dirty="0">
+                <a:latin typeface="Meiryo UI" panose="020B0604030504040204" pitchFamily="50" charset="-128"/>
+                <a:ea typeface="Meiryo UI" panose="020B0604030504040204" pitchFamily="50" charset="-128"/>
+              </a:rPr>
               <a:t>)</a:t>
             </a:r>
-            <a:endParaRPr kumimoji="1" lang="ja-JP" altLang="en-US" sz="800" dirty="0"/>
+            <a:endParaRPr kumimoji="1" lang="ja-JP" altLang="en-US" sz="800" dirty="0">
+              <a:latin typeface="Meiryo UI" panose="020B0604030504040204" pitchFamily="50" charset="-128"/>
+              <a:ea typeface="Meiryo UI" panose="020B0604030504040204" pitchFamily="50" charset="-128"/>
+            </a:endParaRPr>
           </a:p>
         </p:txBody>
       </p:sp>
@@ -6606,8 +6775,8 @@
         </p:nvSpPr>
         <p:spPr>
           <a:xfrm>
-            <a:off x="8259722" y="2933543"/>
-            <a:ext cx="1035861" cy="338554"/>
+            <a:off x="8391168" y="2933543"/>
+            <a:ext cx="904415" cy="338554"/>
           </a:xfrm>
           <a:prstGeom prst="rect">
             <a:avLst/>
@@ -6622,34 +6791,58 @@
           <a:p>
             <a:pPr algn="r"/>
             <a:r>
-              <a:rPr lang="ja-JP" altLang="en-US" sz="800" dirty="0"/>
-              <a:t>③</a:t>
-            </a:r>
-            <a:r>
-              <a:rPr kumimoji="1" lang="en-US" altLang="ja-JP" sz="800" dirty="0"/>
+              <a:rPr lang="ja-JP" altLang="en-US" sz="800">
+                <a:latin typeface="Meiryo UI" panose="020B0604030504040204" pitchFamily="50" charset="-128"/>
+                <a:ea typeface="Meiryo UI" panose="020B0604030504040204" pitchFamily="50" charset="-128"/>
+              </a:rPr>
+              <a:t>④</a:t>
+            </a:r>
+            <a:r>
+              <a:rPr kumimoji="1" lang="en-US" altLang="ja-JP" sz="800">
+                <a:latin typeface="Meiryo UI" panose="020B0604030504040204" pitchFamily="50" charset="-128"/>
+                <a:ea typeface="Meiryo UI" panose="020B0604030504040204" pitchFamily="50" charset="-128"/>
+              </a:rPr>
               <a:t>RPC </a:t>
             </a:r>
             <a:r>
-              <a:rPr kumimoji="1" lang="ja-JP" altLang="en-US" sz="800" dirty="0"/>
+              <a:rPr kumimoji="1" lang="ja-JP" altLang="en-US" sz="800" dirty="0">
+                <a:latin typeface="Meiryo UI" panose="020B0604030504040204" pitchFamily="50" charset="-128"/>
+                <a:ea typeface="Meiryo UI" panose="020B0604030504040204" pitchFamily="50" charset="-128"/>
+              </a:rPr>
               <a:t>メッセージ</a:t>
             </a:r>
-            <a:endParaRPr kumimoji="1" lang="en-US" altLang="ja-JP" sz="800" dirty="0"/>
+            <a:endParaRPr kumimoji="1" lang="en-US" altLang="ja-JP" sz="800" dirty="0">
+              <a:latin typeface="Meiryo UI" panose="020B0604030504040204" pitchFamily="50" charset="-128"/>
+              <a:ea typeface="Meiryo UI" panose="020B0604030504040204" pitchFamily="50" charset="-128"/>
+            </a:endParaRPr>
           </a:p>
           <a:p>
             <a:pPr algn="r"/>
             <a:r>
-              <a:rPr kumimoji="1" lang="en-US" altLang="ja-JP" sz="800" dirty="0"/>
+              <a:rPr kumimoji="1" lang="en-US" altLang="ja-JP" sz="800" dirty="0">
+                <a:latin typeface="Meiryo UI" panose="020B0604030504040204" pitchFamily="50" charset="-128"/>
+                <a:ea typeface="Meiryo UI" panose="020B0604030504040204" pitchFamily="50" charset="-128"/>
+              </a:rPr>
               <a:t>(call </a:t>
             </a:r>
             <a:r>
-              <a:rPr kumimoji="1" lang="ja-JP" altLang="en-US" sz="800" dirty="0"/>
+              <a:rPr kumimoji="1" lang="ja-JP" altLang="en-US" sz="800" dirty="0">
+                <a:latin typeface="Meiryo UI" panose="020B0604030504040204" pitchFamily="50" charset="-128"/>
+                <a:ea typeface="Meiryo UI" panose="020B0604030504040204" pitchFamily="50" charset="-128"/>
+              </a:rPr>
               <a:t>メッセージ</a:t>
             </a:r>
             <a:r>
-              <a:rPr kumimoji="1" lang="en-US" altLang="ja-JP" sz="800" dirty="0"/>
+              <a:rPr kumimoji="1" lang="en-US" altLang="ja-JP" sz="800" dirty="0">
+                <a:latin typeface="Meiryo UI" panose="020B0604030504040204" pitchFamily="50" charset="-128"/>
+                <a:ea typeface="Meiryo UI" panose="020B0604030504040204" pitchFamily="50" charset="-128"/>
+              </a:rPr>
               <a:t>)</a:t>
             </a:r>
-            <a:endParaRPr kumimoji="1" lang="ja-JP" altLang="en-US" sz="800" dirty="0"/>
+            <a:endParaRPr kumimoji="1" lang="ja-JP" altLang="en-US" sz="800" dirty="0">
+              <a:latin typeface="Meiryo UI" panose="020B0604030504040204" pitchFamily="50" charset="-128"/>
+              <a:ea typeface="Meiryo UI" panose="020B0604030504040204" pitchFamily="50" charset="-128"/>
+            </a:endParaRPr>
           </a:p>
         </p:txBody>
       </p:sp>
@@ -6667,8 +6860,8 @@
         </p:nvSpPr>
         <p:spPr>
           <a:xfrm>
-            <a:off x="8259722" y="3919585"/>
-            <a:ext cx="1035861" cy="338554"/>
+            <a:off x="8357506" y="3919585"/>
+            <a:ext cx="938077" cy="338554"/>
           </a:xfrm>
           <a:prstGeom prst="rect">
             <a:avLst/>
@@ -6683,34 +6876,58 @@
           <a:p>
             <a:pPr algn="r"/>
             <a:r>
-              <a:rPr lang="ja-JP" altLang="en-US" sz="800" dirty="0"/>
-              <a:t>⑥</a:t>
-            </a:r>
-            <a:r>
-              <a:rPr kumimoji="1" lang="en-US" altLang="ja-JP" sz="800" dirty="0"/>
+              <a:rPr kumimoji="1" lang="ja-JP" altLang="en-US" sz="800" dirty="0">
+                <a:latin typeface="Meiryo UI" panose="020B0604030504040204" pitchFamily="50" charset="-128"/>
+                <a:ea typeface="Meiryo UI" panose="020B0604030504040204" pitchFamily="50" charset="-128"/>
+              </a:rPr>
+              <a:t>⑧</a:t>
+            </a:r>
+            <a:r>
+              <a:rPr kumimoji="1" lang="en-US" altLang="ja-JP" sz="800">
+                <a:latin typeface="Meiryo UI" panose="020B0604030504040204" pitchFamily="50" charset="-128"/>
+                <a:ea typeface="Meiryo UI" panose="020B0604030504040204" pitchFamily="50" charset="-128"/>
+              </a:rPr>
               <a:t>RPC </a:t>
             </a:r>
             <a:r>
-              <a:rPr kumimoji="1" lang="ja-JP" altLang="en-US" sz="800" dirty="0"/>
+              <a:rPr kumimoji="1" lang="ja-JP" altLang="en-US" sz="800" dirty="0">
+                <a:latin typeface="Meiryo UI" panose="020B0604030504040204" pitchFamily="50" charset="-128"/>
+                <a:ea typeface="Meiryo UI" panose="020B0604030504040204" pitchFamily="50" charset="-128"/>
+              </a:rPr>
               <a:t>メッセージ</a:t>
             </a:r>
-            <a:endParaRPr kumimoji="1" lang="en-US" altLang="ja-JP" sz="800" dirty="0"/>
+            <a:endParaRPr kumimoji="1" lang="en-US" altLang="ja-JP" sz="800" dirty="0">
+              <a:latin typeface="Meiryo UI" panose="020B0604030504040204" pitchFamily="50" charset="-128"/>
+              <a:ea typeface="Meiryo UI" panose="020B0604030504040204" pitchFamily="50" charset="-128"/>
+            </a:endParaRPr>
           </a:p>
           <a:p>
             <a:pPr algn="r"/>
             <a:r>
-              <a:rPr lang="en-US" altLang="ja-JP" sz="800" dirty="0"/>
+              <a:rPr lang="en-US" altLang="ja-JP" sz="800" dirty="0">
+                <a:latin typeface="Meiryo UI" panose="020B0604030504040204" pitchFamily="50" charset="-128"/>
+                <a:ea typeface="Meiryo UI" panose="020B0604030504040204" pitchFamily="50" charset="-128"/>
+              </a:rPr>
               <a:t>(reply </a:t>
             </a:r>
             <a:r>
-              <a:rPr lang="ja-JP" altLang="en-US" sz="800" dirty="0"/>
+              <a:rPr lang="ja-JP" altLang="en-US" sz="800" dirty="0">
+                <a:latin typeface="Meiryo UI" panose="020B0604030504040204" pitchFamily="50" charset="-128"/>
+                <a:ea typeface="Meiryo UI" panose="020B0604030504040204" pitchFamily="50" charset="-128"/>
+              </a:rPr>
               <a:t>メッセージ</a:t>
             </a:r>
             <a:r>
-              <a:rPr lang="en-US" altLang="ja-JP" sz="800" dirty="0"/>
+              <a:rPr lang="en-US" altLang="ja-JP" sz="800" dirty="0">
+                <a:latin typeface="Meiryo UI" panose="020B0604030504040204" pitchFamily="50" charset="-128"/>
+                <a:ea typeface="Meiryo UI" panose="020B0604030504040204" pitchFamily="50" charset="-128"/>
+              </a:rPr>
               <a:t>)</a:t>
             </a:r>
-            <a:endParaRPr kumimoji="1" lang="ja-JP" altLang="en-US" sz="800" dirty="0"/>
+            <a:endParaRPr kumimoji="1" lang="ja-JP" altLang="en-US" sz="800" dirty="0">
+              <a:latin typeface="Meiryo UI" panose="020B0604030504040204" pitchFamily="50" charset="-128"/>
+              <a:ea typeface="Meiryo UI" panose="020B0604030504040204" pitchFamily="50" charset="-128"/>
+            </a:endParaRPr>
           </a:p>
         </p:txBody>
       </p:sp>
@@ -6728,8 +6945,8 @@
         </p:nvSpPr>
         <p:spPr>
           <a:xfrm>
-            <a:off x="8480135" y="2456101"/>
-            <a:ext cx="595035" cy="215444"/>
+            <a:off x="8504180" y="2456101"/>
+            <a:ext cx="570990" cy="215444"/>
           </a:xfrm>
           <a:prstGeom prst="rect">
             <a:avLst/>
@@ -6744,7 +6961,10 @@
           <a:p>
             <a:pPr algn="r"/>
             <a:r>
-              <a:rPr kumimoji="1" lang="ja-JP" altLang="en-US" sz="800" dirty="0"/>
+              <a:rPr kumimoji="1" lang="ja-JP" altLang="en-US" sz="800" dirty="0">
+                <a:latin typeface="Meiryo UI" panose="020B0604030504040204" pitchFamily="50" charset="-128"/>
+                <a:ea typeface="Meiryo UI" panose="020B0604030504040204" pitchFamily="50" charset="-128"/>
+              </a:rPr>
               <a:t>受信待ち</a:t>
             </a:r>
           </a:p>
@@ -6764,8 +6984,8 @@
         </p:nvSpPr>
         <p:spPr>
           <a:xfrm>
-            <a:off x="6336648" y="3472584"/>
-            <a:ext cx="595035" cy="215444"/>
+            <a:off x="6360693" y="3472584"/>
+            <a:ext cx="570990" cy="215444"/>
           </a:xfrm>
           <a:prstGeom prst="rect">
             <a:avLst/>
@@ -6780,7 +7000,10 @@
           <a:p>
             <a:pPr algn="r"/>
             <a:r>
-              <a:rPr kumimoji="1" lang="ja-JP" altLang="en-US" sz="800" dirty="0"/>
+              <a:rPr kumimoji="1" lang="ja-JP" altLang="en-US" sz="800" dirty="0">
+                <a:latin typeface="Meiryo UI" panose="020B0604030504040204" pitchFamily="50" charset="-128"/>
+                <a:ea typeface="Meiryo UI" panose="020B0604030504040204" pitchFamily="50" charset="-128"/>
+              </a:rPr>
               <a:t>受信待ち</a:t>
             </a:r>
           </a:p>
@@ -6801,7 +7024,7 @@
         <p:spPr>
           <a:xfrm>
             <a:off x="7516396" y="2720735"/>
-            <a:ext cx="389850" cy="215444"/>
+            <a:ext cx="492443" cy="215444"/>
           </a:xfrm>
           <a:prstGeom prst="rect">
             <a:avLst/>
@@ -6815,10 +7038,16 @@
           <a:lstStyle/>
           <a:p>
             <a:r>
-              <a:rPr lang="ja-JP" altLang="en-US" sz="800" dirty="0"/>
-              <a:t>通信</a:t>
-            </a:r>
-            <a:endParaRPr kumimoji="1" lang="ja-JP" altLang="en-US" sz="800" dirty="0"/>
+              <a:rPr lang="ja-JP" altLang="en-US" sz="800">
+                <a:latin typeface="Meiryo UI" panose="020B0604030504040204" pitchFamily="50" charset="-128"/>
+                <a:ea typeface="Meiryo UI" panose="020B0604030504040204" pitchFamily="50" charset="-128"/>
+              </a:rPr>
+              <a:t>③通信</a:t>
+            </a:r>
+            <a:endParaRPr kumimoji="1" lang="ja-JP" altLang="en-US" sz="800" dirty="0">
+              <a:latin typeface="Meiryo UI" panose="020B0604030504040204" pitchFamily="50" charset="-128"/>
+              <a:ea typeface="Meiryo UI" panose="020B0604030504040204" pitchFamily="50" charset="-128"/>
+            </a:endParaRPr>
           </a:p>
         </p:txBody>
       </p:sp>
@@ -6837,7 +7066,7 @@
         <p:spPr>
           <a:xfrm>
             <a:off x="7516396" y="4349813"/>
-            <a:ext cx="389850" cy="215444"/>
+            <a:ext cx="492443" cy="215444"/>
           </a:xfrm>
           <a:prstGeom prst="rect">
             <a:avLst/>
@@ -6851,10 +7080,16 @@
           <a:lstStyle/>
           <a:p>
             <a:r>
-              <a:rPr lang="ja-JP" altLang="en-US" sz="800" dirty="0"/>
-              <a:t>通信</a:t>
-            </a:r>
-            <a:endParaRPr kumimoji="1" lang="ja-JP" altLang="en-US" sz="800" dirty="0"/>
+              <a:rPr lang="ja-JP" altLang="en-US" sz="800">
+                <a:latin typeface="Meiryo UI" panose="020B0604030504040204" pitchFamily="50" charset="-128"/>
+                <a:ea typeface="Meiryo UI" panose="020B0604030504040204" pitchFamily="50" charset="-128"/>
+              </a:rPr>
+              <a:t>⑨通信</a:t>
+            </a:r>
+            <a:endParaRPr kumimoji="1" lang="ja-JP" altLang="en-US" sz="800" dirty="0">
+              <a:latin typeface="Meiryo UI" panose="020B0604030504040204" pitchFamily="50" charset="-128"/>
+              <a:ea typeface="Meiryo UI" panose="020B0604030504040204" pitchFamily="50" charset="-128"/>
+            </a:endParaRPr>
           </a:p>
         </p:txBody>
       </p:sp>
@@ -6895,8 +7130,8 @@
                   </a:schemeClr>
                 </a:solidFill>
                 <a:effectLst/>
-                <a:latin typeface="游ゴシック" panose="020B0400000000000000" pitchFamily="50" charset="-128"/>
-                <a:ea typeface="游ゴシック" panose="020B0400000000000000" pitchFamily="50" charset="-128"/>
+                <a:latin typeface="Meiryo UI" panose="020B0604030504040204" pitchFamily="50" charset="-128"/>
+                <a:ea typeface="Meiryo UI" panose="020B0604030504040204" pitchFamily="50" charset="-128"/>
               </a:rPr>
               <a:t>“</a:t>
             </a:r>
@@ -6908,8 +7143,8 @@
                   </a:schemeClr>
                 </a:solidFill>
                 <a:effectLst/>
-                <a:latin typeface="游ゴシック" panose="020B0400000000000000" pitchFamily="50" charset="-128"/>
-                <a:ea typeface="游ゴシック" panose="020B0400000000000000" pitchFamily="50" charset="-128"/>
+                <a:latin typeface="Meiryo UI" panose="020B0604030504040204" pitchFamily="50" charset="-128"/>
+                <a:ea typeface="Meiryo UI" panose="020B0604030504040204" pitchFamily="50" charset="-128"/>
               </a:rPr>
               <a:t>関数呼び出しの流れ</a:t>
             </a:r>
@@ -6921,11 +7156,63 @@
                   </a:schemeClr>
                 </a:solidFill>
                 <a:effectLst/>
-                <a:latin typeface="游ゴシック" panose="020B0400000000000000" pitchFamily="50" charset="-128"/>
-                <a:ea typeface="游ゴシック" panose="020B0400000000000000" pitchFamily="50" charset="-128"/>
+                <a:latin typeface="Meiryo UI" panose="020B0604030504040204" pitchFamily="50" charset="-128"/>
+                <a:ea typeface="Meiryo UI" panose="020B0604030504040204" pitchFamily="50" charset="-128"/>
               </a:rPr>
-              <a:t>" by Yamaoka is licensed under CC BY 2.0</a:t>
-            </a:r>
+              <a:t>" by Yamaoka is licensed under CC BY 2.0﻿</a:t>
+            </a:r>
+            <a:r>
+              <a:rPr lang="en-US" altLang="ja-JP" sz="800" dirty="0">
+                <a:solidFill>
+                  <a:schemeClr val="bg1">
+                    <a:lumMod val="65000"/>
+                  </a:schemeClr>
+                </a:solidFill>
+                <a:latin typeface="Meiryo UI" panose="020B0604030504040204" pitchFamily="50" charset="-128"/>
+                <a:ea typeface="Meiryo UI" panose="020B0604030504040204" pitchFamily="50" charset="-128"/>
+              </a:rPr>
+              <a:t> </a:t>
+            </a:r>
+            <a:endParaRPr kumimoji="1" lang="ja-JP" altLang="en-US" sz="800" dirty="0">
+              <a:solidFill>
+                <a:schemeClr val="bg1">
+                  <a:lumMod val="65000"/>
+                </a:schemeClr>
+              </a:solidFill>
+              <a:latin typeface="Meiryo UI" panose="020B0604030504040204" pitchFamily="50" charset="-128"/>
+              <a:ea typeface="Meiryo UI" panose="020B0604030504040204" pitchFamily="50" charset="-128"/>
+            </a:endParaRPr>
+          </a:p>
+        </p:txBody>
+      </p:sp>
+      <p:sp>
+        <p:nvSpPr>
+          <p:cNvPr id="7" name="テキスト ボックス 6">
+            <a:extLst>
+              <a:ext uri="{FF2B5EF4-FFF2-40B4-BE49-F238E27FC236}">
+                <a16:creationId xmlns:a16="http://schemas.microsoft.com/office/drawing/2014/main" id="{CF9084A6-3C50-E7BF-913C-2AC0B14A69D7}"/>
+              </a:ext>
+            </a:extLst>
+          </p:cNvPr>
+          <p:cNvSpPr txBox="1"/>
+          <p:nvPr/>
+        </p:nvSpPr>
+        <p:spPr>
+          <a:xfrm>
+            <a:off x="7574324" y="5561356"/>
+            <a:ext cx="3251211" cy="215444"/>
+          </a:xfrm>
+          <a:prstGeom prst="rect">
+            <a:avLst/>
+          </a:prstGeom>
+          <a:noFill/>
+        </p:spPr>
+        <p:txBody>
+          <a:bodyPr wrap="none" rtlCol="0">
+            <a:spAutoFit/>
+          </a:bodyPr>
+          <a:lstStyle/>
+          <a:p>
             <a:r>
               <a:rPr lang="en-US" altLang="ja-JP" sz="800" b="0" i="0" u="none" strike="noStrike" dirty="0">
                 <a:solidFill>
@@ -6934,59 +7221,24 @@
                   </a:schemeClr>
                 </a:solidFill>
                 <a:effectLst/>
-                <a:latin typeface="Tahoma" panose="020B0604030504040204" pitchFamily="34" charset="0"/>
-                <a:ea typeface="游ゴシック" panose="020B0400000000000000" pitchFamily="50" charset="-128"/>
+                <a:latin typeface="Meiryo UI" panose="020B0604030504040204" pitchFamily="50" charset="-128"/>
+                <a:ea typeface="Meiryo UI" panose="020B0604030504040204" pitchFamily="50" charset="-128"/>
               </a:rPr>
-              <a:t>﻿</a:t>
-            </a:r>
-            <a:r>
-              <a:rPr lang="en-US" altLang="ja-JP" sz="800" dirty="0">
+              <a:t>“RPC </a:t>
+            </a:r>
+            <a:r>
+              <a:rPr lang="ja-JP" altLang="en-US" sz="800" b="0" i="0" u="none" strike="noStrike" dirty="0">
                 <a:solidFill>
                   <a:schemeClr val="bg1">
                     <a:lumMod val="65000"/>
                   </a:schemeClr>
                 </a:solidFill>
+                <a:effectLst/>
+                <a:latin typeface="Meiryo UI" panose="020B0604030504040204" pitchFamily="50" charset="-128"/>
+                <a:ea typeface="Meiryo UI" panose="020B0604030504040204" pitchFamily="50" charset="-128"/>
               </a:rPr>
-              <a:t> </a:t>
-            </a:r>
-            <a:endParaRPr kumimoji="1" lang="ja-JP" altLang="en-US" sz="800" dirty="0">
-              <a:solidFill>
-                <a:schemeClr val="bg1">
-                  <a:lumMod val="65000"/>
-                </a:schemeClr>
-              </a:solidFill>
-            </a:endParaRPr>
-          </a:p>
-        </p:txBody>
-      </p:sp>
-      <p:sp>
-        <p:nvSpPr>
-          <p:cNvPr id="7" name="テキスト ボックス 6">
-            <a:extLst>
-              <a:ext uri="{FF2B5EF4-FFF2-40B4-BE49-F238E27FC236}">
-                <a16:creationId xmlns:a16="http://schemas.microsoft.com/office/drawing/2014/main" id="{CF9084A6-3C50-E7BF-913C-2AC0B14A69D7}"/>
-              </a:ext>
-            </a:extLst>
-          </p:cNvPr>
-          <p:cNvSpPr txBox="1"/>
-          <p:nvPr/>
-        </p:nvSpPr>
-        <p:spPr>
-          <a:xfrm>
-            <a:off x="7574324" y="5561356"/>
-            <a:ext cx="3201517" cy="215444"/>
-          </a:xfrm>
-          <a:prstGeom prst="rect">
-            <a:avLst/>
-          </a:prstGeom>
-          <a:noFill/>
-        </p:spPr>
-        <p:txBody>
-          <a:bodyPr wrap="none" rtlCol="0">
-            <a:spAutoFit/>
-          </a:bodyPr>
-          <a:lstStyle/>
-          <a:p>
+              <a:t>呼び出しの流れ</a:t>
+            </a:r>
             <a:r>
               <a:rPr lang="en-US" altLang="ja-JP" sz="800" b="0" i="0" u="none" strike="noStrike" dirty="0">
                 <a:solidFill>
@@ -6995,49 +7247,10 @@
                   </a:schemeClr>
                 </a:solidFill>
                 <a:effectLst/>
-                <a:latin typeface="游ゴシック" panose="020B0400000000000000" pitchFamily="50" charset="-128"/>
-                <a:ea typeface="游ゴシック" panose="020B0400000000000000" pitchFamily="50" charset="-128"/>
+                <a:latin typeface="Meiryo UI" panose="020B0604030504040204" pitchFamily="50" charset="-128"/>
+                <a:ea typeface="Meiryo UI" panose="020B0604030504040204" pitchFamily="50" charset="-128"/>
               </a:rPr>
-              <a:t>“RPC </a:t>
-            </a:r>
-            <a:r>
-              <a:rPr lang="ja-JP" altLang="en-US" sz="800" b="0" i="0" u="none" strike="noStrike" dirty="0">
-                <a:solidFill>
-                  <a:schemeClr val="bg1">
-                    <a:lumMod val="65000"/>
-                  </a:schemeClr>
-                </a:solidFill>
-                <a:effectLst/>
-                <a:latin typeface="游ゴシック" panose="020B0400000000000000" pitchFamily="50" charset="-128"/>
-                <a:ea typeface="游ゴシック" panose="020B0400000000000000" pitchFamily="50" charset="-128"/>
-              </a:rPr>
-              <a:t>呼び出しの流れ</a:t>
-            </a:r>
-            <a:r>
-              <a:rPr lang="en-US" altLang="ja-JP" sz="800" b="0" i="0" u="none" strike="noStrike" dirty="0">
-                <a:solidFill>
-                  <a:schemeClr val="bg1">
-                    <a:lumMod val="65000"/>
-                  </a:schemeClr>
-                </a:solidFill>
-                <a:effectLst/>
-                <a:latin typeface="游ゴシック" panose="020B0400000000000000" pitchFamily="50" charset="-128"/>
-                <a:ea typeface="游ゴシック" panose="020B0400000000000000" pitchFamily="50" charset="-128"/>
-              </a:rPr>
-              <a:t>" by Yamaoka is licensed under CC BY 2.0</a:t>
-            </a:r>
-            <a:r>
-              <a:rPr lang="en-US" altLang="ja-JP" sz="800" b="0" i="0" u="none" strike="noStrike" dirty="0">
-                <a:solidFill>
-                  <a:schemeClr val="bg1">
-                    <a:lumMod val="65000"/>
-                  </a:schemeClr>
-                </a:solidFill>
-                <a:effectLst/>
-                <a:latin typeface="Tahoma" panose="020B0604030504040204" pitchFamily="34" charset="0"/>
-                <a:ea typeface="游ゴシック" panose="020B0400000000000000" pitchFamily="50" charset="-128"/>
-              </a:rPr>
-              <a:t>﻿</a:t>
+              <a:t>" by Yamaoka is licensed under CC BY 2.0﻿</a:t>
             </a:r>
             <a:r>
               <a:rPr lang="en-US" altLang="ja-JP" sz="800" dirty="0">
@@ -7046,6 +7259,8 @@
                     <a:lumMod val="65000"/>
                   </a:schemeClr>
                 </a:solidFill>
+                <a:latin typeface="Meiryo UI" panose="020B0604030504040204" pitchFamily="50" charset="-128"/>
+                <a:ea typeface="Meiryo UI" panose="020B0604030504040204" pitchFamily="50" charset="-128"/>
               </a:rPr>
               <a:t> </a:t>
             </a:r>
@@ -7055,6 +7270,8 @@
                   <a:lumMod val="65000"/>
                 </a:schemeClr>
               </a:solidFill>
+              <a:latin typeface="Meiryo UI" panose="020B0604030504040204" pitchFamily="50" charset="-128"/>
+              <a:ea typeface="Meiryo UI" panose="020B0604030504040204" pitchFamily="50" charset="-128"/>
             </a:endParaRPr>
           </a:p>
         </p:txBody>
